--- a/Docs/DID Mobile Sprint 1.pptx
+++ b/Docs/DID Mobile Sprint 1.pptx
@@ -3900,7 +3900,7 @@
           <a:p>
             <a:fld id="{0F9A7837-331C-46D5-8870-14A7B7E95EA0}" type="datetimeFigureOut">
               <a:rPr lang="en-US" smtClean="0"/>
-              <a:t>9/30/2015</a:t>
+              <a:t>10/1/2015</a:t>
             </a:fld>
             <a:endParaRPr lang="en-US"/>
           </a:p>
@@ -11181,12 +11181,12 @@
               <a:t>Looked into web </a:t>
             </a:r>
             <a:r>
-              <a:rPr lang="en-US" dirty="0" err="1" smtClean="0"/>
-              <a:t>api</a:t>
-            </a:r>
-            <a:r>
               <a:rPr lang="en-US" dirty="0" smtClean="0"/>
-              <a:t> implementation which can be used to </a:t>
+              <a:t>API implementation </a:t>
+            </a:r>
+            <a:r>
+              <a:rPr lang="en-US" dirty="0" smtClean="0"/>
+              <a:t>which can be used to </a:t>
             </a:r>
             <a:r>
               <a:rPr lang="en-US" dirty="0"/>
@@ -12423,15 +12423,6 @@
 </file>
 
 <file path=customXml/item1.xml><?xml version="1.0" encoding="utf-8"?>
-<?mso-contentType ?>
-<FormTemplates xmlns="http://schemas.microsoft.com/sharepoint/v3/contenttype/forms">
-  <Display>DocumentLibraryForm</Display>
-  <Edit>DocumentLibraryForm</Edit>
-  <New>DocumentLibraryForm</New>
-</FormTemplates>
-</file>
-
-<file path=customXml/item2.xml><?xml version="1.0" encoding="utf-8"?>
 <p:properties xmlns:p="http://schemas.microsoft.com/office/2006/metadata/properties" xmlns:xsi="http://www.w3.org/2001/XMLSchema-instance" xmlns:pc="http://schemas.microsoft.com/office/infopath/2007/PartnerControls">
   <documentManagement>
     <PublishingExpirationDate xmlns="http://schemas.microsoft.com/sharepoint/v3" xsi:nil="true"/>
@@ -12458,6 +12449,15 @@
     </TaxCatchAll>
   </documentManagement>
 </p:properties>
+</file>
+
+<file path=customXml/item2.xml><?xml version="1.0" encoding="utf-8"?>
+<?mso-contentType ?>
+<FormTemplates xmlns="http://schemas.microsoft.com/sharepoint/v3/contenttype/forms">
+  <Display>DocumentLibraryForm</Display>
+  <Edit>DocumentLibraryForm</Edit>
+  <New>DocumentLibraryForm</New>
+</FormTemplates>
 </file>
 
 <file path=customXml/item3.xml><?xml version="1.0" encoding="utf-8"?>
@@ -12657,14 +12657,6 @@
 </file>
 
 <file path=customXml/itemProps1.xml><?xml version="1.0" encoding="utf-8"?>
-<ds:datastoreItem xmlns:ds="http://schemas.openxmlformats.org/officeDocument/2006/customXml" ds:itemID="{6E33C487-AF9C-4DA7-AA47-1D5AC12EFA52}">
-  <ds:schemaRefs>
-    <ds:schemaRef ds:uri="http://schemas.microsoft.com/sharepoint/v3/contenttype/forms"/>
-  </ds:schemaRefs>
-</ds:datastoreItem>
-</file>
-
-<file path=customXml/itemProps2.xml><?xml version="1.0" encoding="utf-8"?>
 <ds:datastoreItem xmlns:ds="http://schemas.openxmlformats.org/officeDocument/2006/customXml" ds:itemID="{16917415-C90A-4525-97CC-0847143FC9AD}">
   <ds:schemaRefs>
     <ds:schemaRef ds:uri="http://schemas.microsoft.com/office/2006/metadata/properties"/>
@@ -12672,6 +12664,14 @@
     <ds:schemaRef ds:uri="http://schemas.microsoft.com/sharepoint/v3"/>
     <ds:schemaRef ds:uri="79df78ff-c78f-4cff-aea9-14c104b534f6"/>
     <ds:schemaRef ds:uri="6242508b-47dd-4228-87f2-8f4c54fa3af7"/>
+  </ds:schemaRefs>
+</ds:datastoreItem>
+</file>
+
+<file path=customXml/itemProps2.xml><?xml version="1.0" encoding="utf-8"?>
+<ds:datastoreItem xmlns:ds="http://schemas.openxmlformats.org/officeDocument/2006/customXml" ds:itemID="{6E33C487-AF9C-4DA7-AA47-1D5AC12EFA52}">
+  <ds:schemaRefs>
+    <ds:schemaRef ds:uri="http://schemas.microsoft.com/sharepoint/v3/contenttype/forms"/>
   </ds:schemaRefs>
 </ds:datastoreItem>
 </file>
